--- a/__doc/Winx.pptx
+++ b/__doc/Winx.pptx
@@ -10,7 +10,8 @@
     <p:sldId id="258" r:id="rId4"/>
     <p:sldId id="259" r:id="rId5"/>
     <p:sldId id="260" r:id="rId6"/>
-    <p:sldId id="261" r:id="rId7"/>
+    <p:sldId id="262" r:id="rId7"/>
+    <p:sldId id="261" r:id="rId8"/>
   </p:sldIdLst>
   <p:sldSz cx="12192000" cy="6858000"/>
   <p:notesSz cx="6858000" cy="9144000"/>
@@ -3834,14 +3835,7 @@
                 <a:latin typeface="Times New Roman" panose="02020603050405020304" pitchFamily="18" charset="0"/>
                 <a:cs typeface="Times New Roman" panose="02020603050405020304" pitchFamily="18" charset="0"/>
               </a:rPr>
-              <a:t> </a:t>
-            </a:r>
-            <a:r>
-              <a:rPr lang="en-US" sz="5400" dirty="0" smtClean="0">
-                <a:latin typeface="Times New Roman" panose="02020603050405020304" pitchFamily="18" charset="0"/>
-                <a:cs typeface="Times New Roman" panose="02020603050405020304" pitchFamily="18" charset="0"/>
-              </a:rPr>
-              <a:t>WINX</a:t>
+              <a:t> WINX</a:t>
             </a:r>
             <a:endParaRPr lang="ru-RU" sz="5400" dirty="0">
               <a:latin typeface="Times New Roman" panose="02020603050405020304" pitchFamily="18" charset="0"/>
@@ -3879,11 +3873,25 @@
           <a:lstStyle/>
           <a:p>
             <a:r>
-              <a:rPr lang="ru-RU" sz="1800" dirty="0">
+              <a:rPr lang="ru-RU" sz="1800" dirty="0" smtClean="0">
                 <a:latin typeface="Times New Roman" panose="02020603050405020304" pitchFamily="18" charset="0"/>
                 <a:cs typeface="Times New Roman" panose="02020603050405020304" pitchFamily="18" charset="0"/>
               </a:rPr>
-              <a:t>Подготовили </a:t>
+              <a:t>Подготовили</a:t>
+            </a:r>
+            <a:r>
+              <a:rPr lang="en-US" sz="1800" dirty="0" smtClean="0">
+                <a:latin typeface="Times New Roman" panose="02020603050405020304" pitchFamily="18" charset="0"/>
+                <a:cs typeface="Times New Roman" panose="02020603050405020304" pitchFamily="18" charset="0"/>
+              </a:rPr>
+              <a:t>:</a:t>
+            </a:r>
+            <a:r>
+              <a:rPr lang="ru-RU" sz="1800" dirty="0" smtClean="0">
+                <a:latin typeface="Times New Roman" panose="02020603050405020304" pitchFamily="18" charset="0"/>
+                <a:cs typeface="Times New Roman" panose="02020603050405020304" pitchFamily="18" charset="0"/>
+              </a:rPr>
+              <a:t> </a:t>
             </a:r>
             <a:r>
               <a:rPr lang="ru-RU" sz="1800" dirty="0" err="1">
@@ -3897,7 +3905,21 @@
                 <a:latin typeface="Times New Roman" panose="02020603050405020304" pitchFamily="18" charset="0"/>
                 <a:cs typeface="Times New Roman" panose="02020603050405020304" pitchFamily="18" charset="0"/>
               </a:rPr>
-              <a:t> Анастасия и Городецкая Аделина</a:t>
+              <a:t> Анастасия </a:t>
+            </a:r>
+            <a:r>
+              <a:rPr lang="ru-RU" sz="1800" dirty="0" smtClean="0">
+                <a:latin typeface="Times New Roman" panose="02020603050405020304" pitchFamily="18" charset="0"/>
+                <a:cs typeface="Times New Roman" panose="02020603050405020304" pitchFamily="18" charset="0"/>
+              </a:rPr>
+              <a:t>Городецкая </a:t>
+            </a:r>
+            <a:r>
+              <a:rPr lang="ru-RU" sz="1800" dirty="0">
+                <a:latin typeface="Times New Roman" panose="02020603050405020304" pitchFamily="18" charset="0"/>
+                <a:cs typeface="Times New Roman" panose="02020603050405020304" pitchFamily="18" charset="0"/>
+              </a:rPr>
+              <a:t>Аделина</a:t>
             </a:r>
           </a:p>
         </p:txBody>
@@ -3924,6 +3946,13 @@
       </p:transition>
     </mc:Fallback>
   </mc:AlternateContent>
+  <p:timing>
+    <p:tnLst>
+      <p:par>
+        <p:cTn id="1" dur="indefinite" restart="never" nodeType="tmRoot"/>
+      </p:par>
+    </p:tnLst>
+  </p:timing>
 </p:sld>
 </file>
 
@@ -3960,7 +3989,12 @@
             <p:ph type="title"/>
           </p:nvPr>
         </p:nvSpPr>
-        <p:spPr/>
+        <p:spPr>
+          <a:xfrm>
+            <a:off x="1371600" y="369916"/>
+            <a:ext cx="9601200" cy="1485900"/>
+          </a:xfrm>
+        </p:spPr>
         <p:txBody>
           <a:bodyPr/>
           <a:lstStyle/>
@@ -3989,8 +4023,8 @@
         </p:nvSpPr>
         <p:spPr>
           <a:xfrm>
-            <a:off x="1371600" y="1531262"/>
-            <a:ext cx="10437691" cy="1200329"/>
+            <a:off x="1371600" y="1281880"/>
+            <a:ext cx="10437691" cy="1569660"/>
           </a:xfrm>
           <a:prstGeom prst="rect">
             <a:avLst/>
@@ -4008,22 +4042,70 @@
                 <a:latin typeface="Times New Roman" panose="02020603050405020304" pitchFamily="18" charset="0"/>
                 <a:cs typeface="Times New Roman" panose="02020603050405020304" pitchFamily="18" charset="0"/>
               </a:rPr>
-              <a:t>Эта игра создана для развития ловкости, поможет развить ассоциативное мышление, внимание, улучшит память и даст много новых знаний. Эта игра написана на </a:t>
-            </a:r>
-            <a:r>
-              <a:rPr lang="en-US" sz="2400" dirty="0">
+              <a:t>Эта игра создана для развития ловкости, поможет развить ассоциативное мышление, внимание, улучшит память и даст много новых </a:t>
+            </a:r>
+            <a:r>
+              <a:rPr lang="ru-RU" sz="2400" dirty="0" smtClean="0">
                 <a:latin typeface="Times New Roman" panose="02020603050405020304" pitchFamily="18" charset="0"/>
                 <a:cs typeface="Times New Roman" panose="02020603050405020304" pitchFamily="18" charset="0"/>
               </a:rPr>
-              <a:t>python</a:t>
-            </a:r>
-            <a:r>
-              <a:rPr lang="ru-RU" sz="2400" dirty="0">
+              <a:t>знаний.</a:t>
+            </a:r>
+          </a:p>
+          <a:p>
+            <a:r>
+              <a:rPr lang="ru-RU" sz="2400" dirty="0" smtClean="0">
                 <a:latin typeface="Times New Roman" panose="02020603050405020304" pitchFamily="18" charset="0"/>
                 <a:cs typeface="Times New Roman" panose="02020603050405020304" pitchFamily="18" charset="0"/>
               </a:rPr>
-              <a:t>.</a:t>
-            </a:r>
+              <a:t>И</a:t>
+            </a:r>
+            <a:r>
+              <a:rPr lang="ru-RU" sz="2400" dirty="0" smtClean="0">
+                <a:latin typeface="Times New Roman" panose="02020603050405020304" pitchFamily="18" charset="0"/>
+                <a:cs typeface="Times New Roman" panose="02020603050405020304" pitchFamily="18" charset="0"/>
+              </a:rPr>
+              <a:t>гра написана на </a:t>
+            </a:r>
+            <a:r>
+              <a:rPr lang="en-US" sz="2400" dirty="0" smtClean="0">
+                <a:latin typeface="Times New Roman" panose="02020603050405020304" pitchFamily="18" charset="0"/>
+                <a:cs typeface="Times New Roman" panose="02020603050405020304" pitchFamily="18" charset="0"/>
+              </a:rPr>
+              <a:t>P</a:t>
+            </a:r>
+            <a:r>
+              <a:rPr lang="en-US" sz="2400" dirty="0" smtClean="0">
+                <a:latin typeface="Times New Roman" panose="02020603050405020304" pitchFamily="18" charset="0"/>
+                <a:cs typeface="Times New Roman" panose="02020603050405020304" pitchFamily="18" charset="0"/>
+              </a:rPr>
+              <a:t>ython</a:t>
+            </a:r>
+            <a:r>
+              <a:rPr lang="ru-RU" sz="2400" dirty="0" smtClean="0">
+                <a:latin typeface="Times New Roman" panose="02020603050405020304" pitchFamily="18" charset="0"/>
+                <a:cs typeface="Times New Roman" panose="02020603050405020304" pitchFamily="18" charset="0"/>
+              </a:rPr>
+              <a:t> в качестве учебного проекта </a:t>
+            </a:r>
+            <a:r>
+              <a:rPr lang="en-US" sz="2400" dirty="0" err="1" smtClean="0">
+                <a:latin typeface="Times New Roman" panose="02020603050405020304" pitchFamily="18" charset="0"/>
+                <a:cs typeface="Times New Roman" panose="02020603050405020304" pitchFamily="18" charset="0"/>
+              </a:rPr>
+              <a:t>PyGame</a:t>
+            </a:r>
+            <a:r>
+              <a:rPr lang="ru-RU" sz="2400" dirty="0" smtClean="0">
+                <a:latin typeface="Times New Roman" panose="02020603050405020304" pitchFamily="18" charset="0"/>
+                <a:cs typeface="Times New Roman" panose="02020603050405020304" pitchFamily="18" charset="0"/>
+              </a:rPr>
+              <a:t> Лицея Академии Яндекса.</a:t>
+            </a:r>
+            <a:endParaRPr lang="ru-RU" sz="2400" dirty="0">
+              <a:latin typeface="Times New Roman" panose="02020603050405020304" pitchFamily="18" charset="0"/>
+              <a:cs typeface="Times New Roman" panose="02020603050405020304" pitchFamily="18" charset="0"/>
+            </a:endParaRPr>
           </a:p>
         </p:txBody>
       </p:sp>
@@ -4049,8 +4131,8 @@
         </p:blipFill>
         <p:spPr>
           <a:xfrm>
-            <a:off x="3179844" y="3194844"/>
-            <a:ext cx="5832312" cy="3070254"/>
+            <a:off x="2764516" y="2980995"/>
+            <a:ext cx="6815368" cy="3587756"/>
           </a:xfrm>
           <a:prstGeom prst="rect">
             <a:avLst/>
@@ -4079,6 +4161,13 @@
       </p:transition>
     </mc:Fallback>
   </mc:AlternateContent>
+  <p:timing>
+    <p:tnLst>
+      <p:par>
+        <p:cTn id="1" dur="indefinite" restart="never" nodeType="tmRoot"/>
+      </p:par>
+    </p:tnLst>
+  </p:timing>
 </p:sld>
 </file>
 
@@ -4115,7 +4204,12 @@
             <p:ph type="title"/>
           </p:nvPr>
         </p:nvSpPr>
-        <p:spPr/>
+        <p:spPr>
+          <a:xfrm>
+            <a:off x="1371600" y="428105"/>
+            <a:ext cx="9601200" cy="1485900"/>
+          </a:xfrm>
+        </p:spPr>
         <p:txBody>
           <a:bodyPr/>
           <a:lstStyle/>
@@ -4141,7 +4235,7 @@
         </p:nvSpPr>
         <p:spPr>
           <a:xfrm>
-            <a:off x="1371599" y="1679401"/>
+            <a:off x="1371600" y="1229244"/>
             <a:ext cx="10392587" cy="1569660"/>
           </a:xfrm>
           <a:prstGeom prst="rect">
@@ -4156,14 +4250,132 @@
           <a:lstStyle/>
           <a:p>
             <a:r>
+              <a:rPr lang="ru-RU" sz="2400" dirty="0" smtClean="0">
+                <a:latin typeface="Times New Roman" panose="02020603050405020304" pitchFamily="18" charset="0"/>
+                <a:cs typeface="Times New Roman" panose="02020603050405020304" pitchFamily="18" charset="0"/>
+              </a:rPr>
+              <a:t>Феи </a:t>
+            </a:r>
+            <a:r>
               <a:rPr lang="ru-RU" sz="2400" dirty="0">
                 <a:latin typeface="Times New Roman" panose="02020603050405020304" pitchFamily="18" charset="0"/>
                 <a:cs typeface="Times New Roman" panose="02020603050405020304" pitchFamily="18" charset="0"/>
               </a:rPr>
-              <a:t>На фоне игры звучит музыка. Задача игрока перепрыгнуть как можно больше монстров, а если задеть их, то игрок умирает. Так же феи могут стрелять и убивать монстров. </a:t>
-            </a:r>
-          </a:p>
-          <a:p>
+              <a:t>могут </a:t>
+            </a:r>
+            <a:r>
+              <a:rPr lang="ru-RU" sz="2400" dirty="0" smtClean="0">
+                <a:latin typeface="Times New Roman" panose="02020603050405020304" pitchFamily="18" charset="0"/>
+                <a:cs typeface="Times New Roman" panose="02020603050405020304" pitchFamily="18" charset="0"/>
+              </a:rPr>
+              <a:t>подпрыгивать, летать, стрелять </a:t>
+            </a:r>
+            <a:r>
+              <a:rPr lang="ru-RU" sz="2400" dirty="0">
+                <a:latin typeface="Times New Roman" panose="02020603050405020304" pitchFamily="18" charset="0"/>
+                <a:cs typeface="Times New Roman" panose="02020603050405020304" pitchFamily="18" charset="0"/>
+              </a:rPr>
+              <a:t>и убивать монстров. Задача </a:t>
+            </a:r>
+            <a:r>
+              <a:rPr lang="ru-RU" sz="2400" dirty="0">
+                <a:latin typeface="Times New Roman" panose="02020603050405020304" pitchFamily="18" charset="0"/>
+                <a:cs typeface="Times New Roman" panose="02020603050405020304" pitchFamily="18" charset="0"/>
+              </a:rPr>
+              <a:t>игрока </a:t>
+            </a:r>
+            <a:r>
+              <a:rPr lang="ru-RU" sz="2400" dirty="0" smtClean="0">
+                <a:latin typeface="Times New Roman" panose="02020603050405020304" pitchFamily="18" charset="0"/>
+                <a:cs typeface="Times New Roman" panose="02020603050405020304" pitchFamily="18" charset="0"/>
+              </a:rPr>
+              <a:t>уничтожить или </a:t>
+            </a:r>
+            <a:r>
+              <a:rPr lang="ru-RU" sz="2400" dirty="0" smtClean="0">
+                <a:latin typeface="Times New Roman" panose="02020603050405020304" pitchFamily="18" charset="0"/>
+                <a:cs typeface="Times New Roman" panose="02020603050405020304" pitchFamily="18" charset="0"/>
+              </a:rPr>
+              <a:t>перепрыгнуть </a:t>
+            </a:r>
+            <a:r>
+              <a:rPr lang="ru-RU" sz="2400" dirty="0">
+                <a:latin typeface="Times New Roman" panose="02020603050405020304" pitchFamily="18" charset="0"/>
+                <a:cs typeface="Times New Roman" panose="02020603050405020304" pitchFamily="18" charset="0"/>
+              </a:rPr>
+              <a:t>как можно больше </a:t>
+            </a:r>
+            <a:r>
+              <a:rPr lang="ru-RU" sz="2400" dirty="0" smtClean="0">
+                <a:latin typeface="Times New Roman" panose="02020603050405020304" pitchFamily="18" charset="0"/>
+                <a:cs typeface="Times New Roman" panose="02020603050405020304" pitchFamily="18" charset="0"/>
+              </a:rPr>
+              <a:t>монстров</a:t>
+            </a:r>
+            <a:r>
+              <a:rPr lang="ru-RU" sz="2400" dirty="0" smtClean="0">
+                <a:latin typeface="Times New Roman" panose="02020603050405020304" pitchFamily="18" charset="0"/>
+                <a:cs typeface="Times New Roman" panose="02020603050405020304" pitchFamily="18" charset="0"/>
+              </a:rPr>
+              <a:t>.</a:t>
+            </a:r>
+            <a:endParaRPr lang="ru-RU" sz="2400" dirty="0">
+              <a:latin typeface="Times New Roman" panose="02020603050405020304" pitchFamily="18" charset="0"/>
+              <a:cs typeface="Times New Roman" panose="02020603050405020304" pitchFamily="18" charset="0"/>
+            </a:endParaRPr>
+          </a:p>
+          <a:p>
+            <a:r>
+              <a:rPr lang="ru-RU" sz="2400" dirty="0" smtClean="0">
+                <a:latin typeface="Times New Roman" panose="02020603050405020304" pitchFamily="18" charset="0"/>
+                <a:cs typeface="Times New Roman" panose="02020603050405020304" pitchFamily="18" charset="0"/>
+              </a:rPr>
+              <a:t>Е</a:t>
+            </a:r>
+            <a:r>
+              <a:rPr lang="ru-RU" sz="2400" dirty="0" smtClean="0">
+                <a:latin typeface="Times New Roman" panose="02020603050405020304" pitchFamily="18" charset="0"/>
+                <a:cs typeface="Times New Roman" panose="02020603050405020304" pitchFamily="18" charset="0"/>
+              </a:rPr>
+              <a:t>сли случайно задеть одного из их</a:t>
+            </a:r>
+            <a:r>
+              <a:rPr lang="ru-RU" sz="2400" dirty="0">
+                <a:latin typeface="Times New Roman" panose="02020603050405020304" pitchFamily="18" charset="0"/>
+                <a:cs typeface="Times New Roman" panose="02020603050405020304" pitchFamily="18" charset="0"/>
+              </a:rPr>
+              <a:t>, то игрок умирает. </a:t>
+            </a:r>
+          </a:p>
+          <a:p>
+            <a:r>
+              <a:rPr lang="ru-RU" sz="2400" dirty="0" smtClean="0">
+                <a:latin typeface="Times New Roman" panose="02020603050405020304" pitchFamily="18" charset="0"/>
+                <a:cs typeface="Times New Roman" panose="02020603050405020304" pitchFamily="18" charset="0"/>
+              </a:rPr>
+              <a:t>Во время игры для </a:t>
+            </a:r>
+            <a:r>
+              <a:rPr lang="ru-RU" sz="2400" dirty="0" err="1" smtClean="0">
+                <a:latin typeface="Times New Roman" panose="02020603050405020304" pitchFamily="18" charset="0"/>
+                <a:cs typeface="Times New Roman" panose="02020603050405020304" pitchFamily="18" charset="0"/>
+              </a:rPr>
+              <a:t>атмосферности</a:t>
+            </a:r>
+            <a:r>
+              <a:rPr lang="ru-RU" sz="2400" dirty="0" smtClean="0">
+                <a:latin typeface="Times New Roman" panose="02020603050405020304" pitchFamily="18" charset="0"/>
+                <a:cs typeface="Times New Roman" panose="02020603050405020304" pitchFamily="18" charset="0"/>
+              </a:rPr>
+              <a:t> играет фоновая </a:t>
+            </a:r>
+            <a:r>
+              <a:rPr lang="ru-RU" sz="2400" dirty="0">
+                <a:latin typeface="Times New Roman" panose="02020603050405020304" pitchFamily="18" charset="0"/>
+                <a:cs typeface="Times New Roman" panose="02020603050405020304" pitchFamily="18" charset="0"/>
+              </a:rPr>
+              <a:t>музыка.</a:t>
+            </a:r>
             <a:endParaRPr lang="ru-RU" sz="2400" dirty="0">
               <a:latin typeface="Times New Roman" panose="02020603050405020304" pitchFamily="18" charset="0"/>
               <a:cs typeface="Times New Roman" panose="02020603050405020304" pitchFamily="18" charset="0"/>
@@ -4214,6 +4426,13 @@
   <p:transition spd="med">
     <p:pull/>
   </p:transition>
+  <p:timing>
+    <p:tnLst>
+      <p:par>
+        <p:cTn id="1" dur="indefinite" restart="never" nodeType="tmRoot"/>
+      </p:par>
+    </p:tnLst>
+  </p:timing>
 </p:sld>
 </file>
 
@@ -4250,15 +4469,29 @@
             <p:ph type="title"/>
           </p:nvPr>
         </p:nvSpPr>
-        <p:spPr/>
+        <p:spPr>
+          <a:xfrm>
+            <a:off x="1371600" y="344768"/>
+            <a:ext cx="9601200" cy="1485900"/>
+          </a:xfrm>
+        </p:spPr>
         <p:txBody>
           <a:bodyPr/>
           <a:lstStyle/>
           <a:p>
             <a:r>
-              <a:rPr lang="ru-RU" dirty="0"/>
-              <a:t>Главная:</a:t>
-            </a:r>
+              <a:rPr lang="ru-RU" dirty="0" smtClean="0"/>
+              <a:t>Начальный экран</a:t>
+            </a:r>
+            <a:r>
+              <a:rPr lang="en-US" dirty="0" smtClean="0"/>
+              <a:t> </a:t>
+            </a:r>
+            <a:r>
+              <a:rPr lang="ru-RU" dirty="0" smtClean="0"/>
+              <a:t>и управление:</a:t>
+            </a:r>
+            <a:endParaRPr lang="ru-RU" dirty="0"/>
           </a:p>
         </p:txBody>
       </p:sp>
@@ -4276,8 +4509,8 @@
         </p:nvSpPr>
         <p:spPr>
           <a:xfrm>
-            <a:off x="1347680" y="1571535"/>
-            <a:ext cx="10211484" cy="1200329"/>
+            <a:off x="1371600" y="994412"/>
+            <a:ext cx="10211484" cy="1938992"/>
           </a:xfrm>
           <a:prstGeom prst="rect">
             <a:avLst/>
@@ -4295,17 +4528,84 @@
                 <a:latin typeface="Times New Roman" panose="02020603050405020304" pitchFamily="18" charset="0"/>
                 <a:cs typeface="Times New Roman" panose="02020603050405020304" pitchFamily="18" charset="0"/>
               </a:rPr>
-              <a:t>Игрок может выбрать, за какую фею он хочет играть. А так же во время игры можно поменять фею. </a:t>
-            </a:r>
-          </a:p>
-          <a:p>
+              <a:t>Для запуска игры нужно нажать на </a:t>
+            </a:r>
+            <a:r>
+              <a:rPr lang="ru-RU" sz="2400" dirty="0" smtClean="0">
+                <a:latin typeface="Times New Roman" panose="02020603050405020304" pitchFamily="18" charset="0"/>
+                <a:cs typeface="Times New Roman" panose="02020603050405020304" pitchFamily="18" charset="0"/>
+              </a:rPr>
+              <a:t>«Пробел».</a:t>
+            </a:r>
+            <a:endParaRPr lang="ru-RU" sz="2400" dirty="0">
+              <a:latin typeface="Times New Roman" panose="02020603050405020304" pitchFamily="18" charset="0"/>
+              <a:cs typeface="Times New Roman" panose="02020603050405020304" pitchFamily="18" charset="0"/>
+            </a:endParaRPr>
+          </a:p>
+          <a:p>
+            <a:r>
+              <a:rPr lang="ru-RU" sz="2400" dirty="0" smtClean="0">
+                <a:latin typeface="Times New Roman" panose="02020603050405020304" pitchFamily="18" charset="0"/>
+                <a:cs typeface="Times New Roman" panose="02020603050405020304" pitchFamily="18" charset="0"/>
+              </a:rPr>
+              <a:t>Во </a:t>
+            </a:r>
             <a:r>
               <a:rPr lang="ru-RU" sz="2400" dirty="0">
                 <a:latin typeface="Times New Roman" panose="02020603050405020304" pitchFamily="18" charset="0"/>
                 <a:cs typeface="Times New Roman" panose="02020603050405020304" pitchFamily="18" charset="0"/>
               </a:rPr>
-              <a:t>Для запуска игры нужно нажать на пробел.</a:t>
-            </a:r>
+              <a:t>время игры можно поменять </a:t>
+            </a:r>
+            <a:r>
+              <a:rPr lang="ru-RU" sz="2400" dirty="0" smtClean="0">
+                <a:latin typeface="Times New Roman" panose="02020603050405020304" pitchFamily="18" charset="0"/>
+                <a:cs typeface="Times New Roman" panose="02020603050405020304" pitchFamily="18" charset="0"/>
+              </a:rPr>
+              <a:t>фею</a:t>
+            </a:r>
+            <a:r>
+              <a:rPr lang="ru-RU" sz="2400" dirty="0" smtClean="0">
+                <a:latin typeface="Times New Roman" panose="02020603050405020304" pitchFamily="18" charset="0"/>
+                <a:cs typeface="Times New Roman" panose="02020603050405020304" pitchFamily="18" charset="0"/>
+              </a:rPr>
+              <a:t>, нажав клавишу «А».</a:t>
+            </a:r>
+          </a:p>
+          <a:p>
+            <a:r>
+              <a:rPr lang="ru-RU" sz="2400" dirty="0" smtClean="0">
+                <a:latin typeface="Times New Roman" panose="02020603050405020304" pitchFamily="18" charset="0"/>
+                <a:cs typeface="Times New Roman" panose="02020603050405020304" pitchFamily="18" charset="0"/>
+              </a:rPr>
+              <a:t>Стрельба огненными шарами осуществляется по клавише «Пробел».</a:t>
+            </a:r>
+          </a:p>
+          <a:p>
+            <a:r>
+              <a:rPr lang="ru-RU" sz="2400" dirty="0" smtClean="0">
+                <a:latin typeface="Times New Roman" panose="02020603050405020304" pitchFamily="18" charset="0"/>
+                <a:cs typeface="Times New Roman" panose="02020603050405020304" pitchFamily="18" charset="0"/>
+              </a:rPr>
+              <a:t>Клавиша «Вверх» используется для прыжка феи,</a:t>
+            </a:r>
+            <a:br>
+              <a:rPr lang="ru-RU" sz="2400" dirty="0" smtClean="0">
+                <a:latin typeface="Times New Roman" panose="02020603050405020304" pitchFamily="18" charset="0"/>
+                <a:cs typeface="Times New Roman" panose="02020603050405020304" pitchFamily="18" charset="0"/>
+              </a:rPr>
+            </a:br>
+            <a:r>
+              <a:rPr lang="ru-RU" sz="2400" dirty="0" smtClean="0">
+                <a:latin typeface="Times New Roman" panose="02020603050405020304" pitchFamily="18" charset="0"/>
+                <a:cs typeface="Times New Roman" panose="02020603050405020304" pitchFamily="18" charset="0"/>
+              </a:rPr>
+              <a:t>«Вниз» - для низкого полета.</a:t>
+            </a:r>
+            <a:endParaRPr lang="ru-RU" sz="2400" dirty="0">
+              <a:latin typeface="Times New Roman" panose="02020603050405020304" pitchFamily="18" charset="0"/>
+              <a:cs typeface="Times New Roman" panose="02020603050405020304" pitchFamily="18" charset="0"/>
+            </a:endParaRPr>
           </a:p>
         </p:txBody>
       </p:sp>
@@ -4331,8 +4631,8 @@
         </p:blipFill>
         <p:spPr>
           <a:xfrm>
-            <a:off x="3027111" y="3214751"/>
-            <a:ext cx="6290178" cy="3391071"/>
+            <a:off x="2852710" y="3072516"/>
+            <a:ext cx="6638980" cy="3579112"/>
           </a:xfrm>
           <a:prstGeom prst="rect">
             <a:avLst/>
@@ -4352,6 +4652,13 @@
   <p:transition spd="slow">
     <p:wipe/>
   </p:transition>
+  <p:timing>
+    <p:tnLst>
+      <p:par>
+        <p:cTn id="1" dur="indefinite" restart="never" nodeType="tmRoot"/>
+      </p:par>
+    </p:tnLst>
+  </p:timing>
 </p:sld>
 </file>
 
@@ -4374,32 +4681,715 @@
       </p:grpSpPr>
       <p:sp>
         <p:nvSpPr>
-          <p:cNvPr id="2" name="Заголовок 1">
-            <a:extLst>
-              <a:ext uri="{FF2B5EF4-FFF2-40B4-BE49-F238E27FC236}">
-                <a16:creationId xmlns:a16="http://schemas.microsoft.com/office/drawing/2014/main" id="{436F72FB-342A-4F0C-95DC-C481B9A9640B}"/>
-              </a:ext>
-            </a:extLst>
-          </p:cNvPr>
-          <p:cNvSpPr>
-            <a:spLocks noGrp="1"/>
-          </p:cNvSpPr>
-          <p:nvPr>
-            <p:ph type="title"/>
-          </p:nvPr>
-        </p:nvSpPr>
-        <p:spPr/>
-        <p:txBody>
-          <a:bodyPr/>
-          <a:lstStyle/>
-          <a:p>
-            <a:r>
-              <a:rPr lang="ru-RU" dirty="0">
+          <p:cNvPr id="3" name="Заголовок 1"/>
+          <p:cNvSpPr txBox="1">
+            <a:spLocks/>
+          </p:cNvSpPr>
+          <p:nvPr/>
+        </p:nvSpPr>
+        <p:spPr>
+          <a:xfrm>
+            <a:off x="1067250" y="335296"/>
+            <a:ext cx="5753755" cy="821267"/>
+          </a:xfrm>
+          <a:prstGeom prst="rect">
+            <a:avLst/>
+          </a:prstGeom>
+        </p:spPr>
+        <p:txBody>
+          <a:bodyPr vert="horz" lIns="91440" tIns="45720" rIns="91440" bIns="45720" rtlCol="0" anchor="t">
+            <a:normAutofit/>
+          </a:bodyPr>
+          <a:lstStyle>
+            <a:lvl1pPr algn="l" defTabSz="914400" rtl="0" eaLnBrk="1" latinLnBrk="0" hangingPunct="1">
+              <a:lnSpc>
+                <a:spcPct val="89000"/>
+              </a:lnSpc>
+              <a:spcBef>
+                <a:spcPct val="0"/>
+              </a:spcBef>
+              <a:buNone/>
+              <a:defRPr sz="4400" kern="1200" baseline="0">
+                <a:solidFill>
+                  <a:schemeClr val="tx2"/>
+                </a:solidFill>
+                <a:latin typeface="+mj-lt"/>
+                <a:ea typeface="+mj-ea"/>
+                <a:cs typeface="+mj-cs"/>
+              </a:defRPr>
+            </a:lvl1pPr>
+          </a:lstStyle>
+          <a:p>
+            <a:r>
+              <a:rPr lang="ru-RU" sz="4000" smtClean="0">
                 <a:latin typeface="Times New Roman" panose="02020603050405020304" pitchFamily="18" charset="0"/>
                 <a:cs typeface="Times New Roman" panose="02020603050405020304" pitchFamily="18" charset="0"/>
               </a:rPr>
-              <a:t>Описание кода:</a:t>
-            </a:r>
+              <a:t>Описание реализации</a:t>
+            </a:r>
+            <a:r>
+              <a:rPr lang="en-US" sz="4000" smtClean="0">
+                <a:latin typeface="Times New Roman" panose="02020603050405020304" pitchFamily="18" charset="0"/>
+                <a:cs typeface="Times New Roman" panose="02020603050405020304" pitchFamily="18" charset="0"/>
+              </a:rPr>
+              <a:t>:</a:t>
+            </a:r>
+            <a:endParaRPr lang="ru-RU" sz="4000" dirty="0">
+              <a:latin typeface="Times New Roman" panose="02020603050405020304" pitchFamily="18" charset="0"/>
+              <a:cs typeface="Times New Roman" panose="02020603050405020304" pitchFamily="18" charset="0"/>
+            </a:endParaRPr>
+          </a:p>
+        </p:txBody>
+      </p:sp>
+      <p:sp>
+        <p:nvSpPr>
+          <p:cNvPr id="4" name="TextBox 3"/>
+          <p:cNvSpPr txBox="1"/>
+          <p:nvPr/>
+        </p:nvSpPr>
+        <p:spPr>
+          <a:xfrm>
+            <a:off x="1067250" y="1065008"/>
+            <a:ext cx="5632755" cy="5262979"/>
+          </a:xfrm>
+          <a:prstGeom prst="rect">
+            <a:avLst/>
+          </a:prstGeom>
+          <a:noFill/>
+        </p:spPr>
+        <p:txBody>
+          <a:bodyPr wrap="square" rtlCol="0">
+            <a:spAutoFit/>
+          </a:bodyPr>
+          <a:lstStyle/>
+          <a:p>
+            <a:r>
+              <a:rPr lang="ru-RU" sz="2400" dirty="0" smtClean="0"/>
+              <a:t>Программа разработана на языке программирования </a:t>
+            </a:r>
+            <a:r>
+              <a:rPr lang="en-US" sz="2400" dirty="0" smtClean="0"/>
+              <a:t>Python </a:t>
+            </a:r>
+            <a:r>
+              <a:rPr lang="ru-RU" sz="2400" dirty="0" smtClean="0"/>
+              <a:t>версии </a:t>
+            </a:r>
+            <a:r>
+              <a:rPr lang="en-US" sz="2400" dirty="0" smtClean="0"/>
+              <a:t>3</a:t>
+            </a:r>
+            <a:r>
+              <a:rPr lang="ru-RU" sz="2400" dirty="0" smtClean="0"/>
+              <a:t>, имеет графический интерфейс пользователя</a:t>
+            </a:r>
+            <a:r>
+              <a:rPr lang="en-US" sz="2400" dirty="0" smtClean="0"/>
+              <a:t>, </a:t>
+            </a:r>
+            <a:r>
+              <a:rPr lang="ru-RU" sz="2400" dirty="0" smtClean="0"/>
+              <a:t>реализованный с использованием набора библиотек </a:t>
+            </a:r>
+            <a:r>
+              <a:rPr lang="en-US" sz="2400" dirty="0" err="1" smtClean="0"/>
+              <a:t>Py</a:t>
+            </a:r>
+            <a:r>
+              <a:rPr lang="en-US" sz="2400" dirty="0" err="1" smtClean="0"/>
+              <a:t>Game</a:t>
+            </a:r>
+            <a:r>
+              <a:rPr lang="en-US" sz="2400" dirty="0" smtClean="0"/>
+              <a:t>.</a:t>
+            </a:r>
+            <a:endParaRPr lang="en-US" sz="2400" dirty="0" smtClean="0"/>
+          </a:p>
+          <a:p>
+            <a:endParaRPr lang="en-US" sz="2400" dirty="0"/>
+          </a:p>
+          <a:p>
+            <a:r>
+              <a:rPr lang="ru-RU" sz="2400" dirty="0" smtClean="0"/>
+              <a:t>Диаграмма классов приложения изображена на схеме. В реализации иерархии классов </a:t>
+            </a:r>
+            <a:r>
+              <a:rPr lang="ru-RU" sz="2400" dirty="0" smtClean="0"/>
+              <a:t>игровых объектов широко используются </a:t>
+            </a:r>
+            <a:r>
+              <a:rPr lang="ru-RU" sz="2400" dirty="0" smtClean="0"/>
+              <a:t>принципы наследования и полиморфизма объектно-ориентированного программирования.</a:t>
+            </a:r>
+            <a:endParaRPr lang="en-US" sz="2400" dirty="0"/>
+          </a:p>
+        </p:txBody>
+      </p:sp>
+      <p:sp>
+        <p:nvSpPr>
+          <p:cNvPr id="5" name="Скругленный прямоугольник 4"/>
+          <p:cNvSpPr/>
+          <p:nvPr/>
+        </p:nvSpPr>
+        <p:spPr>
+          <a:xfrm>
+            <a:off x="8487982" y="3287172"/>
+            <a:ext cx="1517011" cy="671119"/>
+          </a:xfrm>
+          <a:prstGeom prst="roundRect">
+            <a:avLst/>
+          </a:prstGeom>
+        </p:spPr>
+        <p:style>
+          <a:lnRef idx="2">
+            <a:schemeClr val="accent1">
+              <a:shade val="50000"/>
+            </a:schemeClr>
+          </a:lnRef>
+          <a:fillRef idx="1">
+            <a:schemeClr val="accent1"/>
+          </a:fillRef>
+          <a:effectRef idx="0">
+            <a:schemeClr val="accent1"/>
+          </a:effectRef>
+          <a:fontRef idx="minor">
+            <a:schemeClr val="lt1"/>
+          </a:fontRef>
+        </p:style>
+        <p:txBody>
+          <a:bodyPr rtlCol="0" anchor="ctr"/>
+          <a:lstStyle/>
+          <a:p>
+            <a:pPr algn="ctr"/>
+            <a:r>
+              <a:rPr lang="en-US" dirty="0" err="1" smtClean="0"/>
+              <a:t>qwe</a:t>
+            </a:r>
+            <a:endParaRPr lang="ru-RU" dirty="0"/>
+          </a:p>
+        </p:txBody>
+      </p:sp>
+      <p:sp>
+        <p:nvSpPr>
+          <p:cNvPr id="6" name="Скругленный прямоугольник 5"/>
+          <p:cNvSpPr/>
+          <p:nvPr/>
+        </p:nvSpPr>
+        <p:spPr>
+          <a:xfrm>
+            <a:off x="8487982" y="4446064"/>
+            <a:ext cx="1517011" cy="671119"/>
+          </a:xfrm>
+          <a:prstGeom prst="roundRect">
+            <a:avLst/>
+          </a:prstGeom>
+        </p:spPr>
+        <p:style>
+          <a:lnRef idx="2">
+            <a:schemeClr val="accent1">
+              <a:shade val="50000"/>
+            </a:schemeClr>
+          </a:lnRef>
+          <a:fillRef idx="1">
+            <a:schemeClr val="accent1"/>
+          </a:fillRef>
+          <a:effectRef idx="0">
+            <a:schemeClr val="accent1"/>
+          </a:effectRef>
+          <a:fontRef idx="minor">
+            <a:schemeClr val="lt1"/>
+          </a:fontRef>
+        </p:style>
+        <p:txBody>
+          <a:bodyPr rtlCol="0" anchor="ctr"/>
+          <a:lstStyle/>
+          <a:p>
+            <a:pPr algn="ctr"/>
+            <a:r>
+              <a:rPr lang="en-US" dirty="0" smtClean="0"/>
+              <a:t>Monster</a:t>
+            </a:r>
+            <a:endParaRPr lang="ru-RU" dirty="0"/>
+          </a:p>
+        </p:txBody>
+      </p:sp>
+      <p:sp>
+        <p:nvSpPr>
+          <p:cNvPr id="7" name="Скругленный прямоугольник 6"/>
+          <p:cNvSpPr/>
+          <p:nvPr/>
+        </p:nvSpPr>
+        <p:spPr>
+          <a:xfrm>
+            <a:off x="6821006" y="4448635"/>
+            <a:ext cx="1517011" cy="671119"/>
+          </a:xfrm>
+          <a:prstGeom prst="roundRect">
+            <a:avLst/>
+          </a:prstGeom>
+        </p:spPr>
+        <p:style>
+          <a:lnRef idx="2">
+            <a:schemeClr val="accent1">
+              <a:shade val="50000"/>
+            </a:schemeClr>
+          </a:lnRef>
+          <a:fillRef idx="1">
+            <a:schemeClr val="accent1"/>
+          </a:fillRef>
+          <a:effectRef idx="0">
+            <a:schemeClr val="accent1"/>
+          </a:effectRef>
+          <a:fontRef idx="minor">
+            <a:schemeClr val="lt1"/>
+          </a:fontRef>
+        </p:style>
+        <p:txBody>
+          <a:bodyPr rtlCol="0" anchor="ctr"/>
+          <a:lstStyle/>
+          <a:p>
+            <a:pPr algn="ctr"/>
+            <a:r>
+              <a:rPr lang="en-US" dirty="0" err="1" smtClean="0"/>
+              <a:t>Bigmonster</a:t>
+            </a:r>
+            <a:endParaRPr lang="ru-RU" dirty="0"/>
+          </a:p>
+        </p:txBody>
+      </p:sp>
+      <p:sp>
+        <p:nvSpPr>
+          <p:cNvPr id="8" name="Скругленный прямоугольник 7"/>
+          <p:cNvSpPr/>
+          <p:nvPr/>
+        </p:nvSpPr>
+        <p:spPr>
+          <a:xfrm>
+            <a:off x="10192375" y="4434720"/>
+            <a:ext cx="1517011" cy="671119"/>
+          </a:xfrm>
+          <a:prstGeom prst="roundRect">
+            <a:avLst/>
+          </a:prstGeom>
+        </p:spPr>
+        <p:style>
+          <a:lnRef idx="2">
+            <a:schemeClr val="accent1">
+              <a:shade val="50000"/>
+            </a:schemeClr>
+          </a:lnRef>
+          <a:fillRef idx="1">
+            <a:schemeClr val="accent1"/>
+          </a:fillRef>
+          <a:effectRef idx="0">
+            <a:schemeClr val="accent1"/>
+          </a:effectRef>
+          <a:fontRef idx="minor">
+            <a:schemeClr val="lt1"/>
+          </a:fontRef>
+        </p:style>
+        <p:txBody>
+          <a:bodyPr rtlCol="0" anchor="ctr"/>
+          <a:lstStyle/>
+          <a:p>
+            <a:pPr algn="ctr"/>
+            <a:r>
+              <a:rPr lang="en-US" dirty="0" err="1" smtClean="0"/>
+              <a:t>FlyMonster</a:t>
+            </a:r>
+            <a:endParaRPr lang="ru-RU" dirty="0"/>
+          </a:p>
+        </p:txBody>
+      </p:sp>
+      <p:sp>
+        <p:nvSpPr>
+          <p:cNvPr id="9" name="Скругленный прямоугольник 8"/>
+          <p:cNvSpPr/>
+          <p:nvPr/>
+        </p:nvSpPr>
+        <p:spPr>
+          <a:xfrm>
+            <a:off x="8487982" y="2190787"/>
+            <a:ext cx="1517011" cy="671119"/>
+          </a:xfrm>
+          <a:prstGeom prst="roundRect">
+            <a:avLst/>
+          </a:prstGeom>
+        </p:spPr>
+        <p:style>
+          <a:lnRef idx="2">
+            <a:schemeClr val="accent1">
+              <a:shade val="50000"/>
+            </a:schemeClr>
+          </a:lnRef>
+          <a:fillRef idx="1">
+            <a:schemeClr val="accent1"/>
+          </a:fillRef>
+          <a:effectRef idx="0">
+            <a:schemeClr val="accent1"/>
+          </a:effectRef>
+          <a:fontRef idx="minor">
+            <a:schemeClr val="lt1"/>
+          </a:fontRef>
+        </p:style>
+        <p:txBody>
+          <a:bodyPr rtlCol="0" anchor="ctr"/>
+          <a:lstStyle/>
+          <a:p>
+            <a:pPr algn="ctr"/>
+            <a:r>
+              <a:rPr lang="en-US" dirty="0" smtClean="0"/>
+              <a:t>Power</a:t>
+            </a:r>
+            <a:endParaRPr lang="ru-RU" dirty="0"/>
+          </a:p>
+        </p:txBody>
+      </p:sp>
+      <p:sp>
+        <p:nvSpPr>
+          <p:cNvPr id="10" name="Скругленный прямоугольник 9"/>
+          <p:cNvSpPr/>
+          <p:nvPr/>
+        </p:nvSpPr>
+        <p:spPr>
+          <a:xfrm>
+            <a:off x="10508161" y="3287172"/>
+            <a:ext cx="1517011" cy="671119"/>
+          </a:xfrm>
+          <a:prstGeom prst="roundRect">
+            <a:avLst/>
+          </a:prstGeom>
+        </p:spPr>
+        <p:style>
+          <a:lnRef idx="2">
+            <a:schemeClr val="accent1">
+              <a:shade val="50000"/>
+            </a:schemeClr>
+          </a:lnRef>
+          <a:fillRef idx="1">
+            <a:schemeClr val="accent1"/>
+          </a:fillRef>
+          <a:effectRef idx="0">
+            <a:schemeClr val="accent1"/>
+          </a:effectRef>
+          <a:fontRef idx="minor">
+            <a:schemeClr val="lt1"/>
+          </a:fontRef>
+        </p:style>
+        <p:txBody>
+          <a:bodyPr rtlCol="0" anchor="ctr"/>
+          <a:lstStyle/>
+          <a:p>
+            <a:pPr algn="ctr"/>
+            <a:r>
+              <a:rPr lang="en-US" dirty="0" smtClean="0"/>
+              <a:t>Bonus</a:t>
+            </a:r>
+            <a:endParaRPr lang="ru-RU" dirty="0"/>
+          </a:p>
+        </p:txBody>
+      </p:sp>
+      <p:sp>
+        <p:nvSpPr>
+          <p:cNvPr id="11" name="Стрелка вниз 10"/>
+          <p:cNvSpPr/>
+          <p:nvPr/>
+        </p:nvSpPr>
+        <p:spPr>
+          <a:xfrm>
+            <a:off x="9031334" y="3958288"/>
+            <a:ext cx="430306" cy="487774"/>
+          </a:xfrm>
+          <a:prstGeom prst="downArrow">
+            <a:avLst/>
+          </a:prstGeom>
+        </p:spPr>
+        <p:style>
+          <a:lnRef idx="2">
+            <a:schemeClr val="accent1">
+              <a:shade val="50000"/>
+            </a:schemeClr>
+          </a:lnRef>
+          <a:fillRef idx="1">
+            <a:schemeClr val="accent1"/>
+          </a:fillRef>
+          <a:effectRef idx="0">
+            <a:schemeClr val="accent1"/>
+          </a:effectRef>
+          <a:fontRef idx="minor">
+            <a:schemeClr val="lt1"/>
+          </a:fontRef>
+        </p:style>
+        <p:txBody>
+          <a:bodyPr rtlCol="0" anchor="ctr"/>
+          <a:lstStyle/>
+          <a:p>
+            <a:pPr algn="ctr"/>
+            <a:endParaRPr lang="ru-RU"/>
+          </a:p>
+        </p:txBody>
+      </p:sp>
+      <p:sp>
+        <p:nvSpPr>
+          <p:cNvPr id="12" name="Стрелка вниз 11"/>
+          <p:cNvSpPr/>
+          <p:nvPr/>
+        </p:nvSpPr>
+        <p:spPr>
+          <a:xfrm rot="2799517">
+            <a:off x="8057737" y="3877010"/>
+            <a:ext cx="430306" cy="641767"/>
+          </a:xfrm>
+          <a:prstGeom prst="downArrow">
+            <a:avLst/>
+          </a:prstGeom>
+        </p:spPr>
+        <p:style>
+          <a:lnRef idx="2">
+            <a:schemeClr val="accent1">
+              <a:shade val="50000"/>
+            </a:schemeClr>
+          </a:lnRef>
+          <a:fillRef idx="1">
+            <a:schemeClr val="accent1"/>
+          </a:fillRef>
+          <a:effectRef idx="0">
+            <a:schemeClr val="accent1"/>
+          </a:effectRef>
+          <a:fontRef idx="minor">
+            <a:schemeClr val="lt1"/>
+          </a:fontRef>
+        </p:style>
+        <p:txBody>
+          <a:bodyPr rtlCol="0" anchor="ctr"/>
+          <a:lstStyle/>
+          <a:p>
+            <a:pPr algn="ctr"/>
+            <a:endParaRPr lang="ru-RU"/>
+          </a:p>
+        </p:txBody>
+      </p:sp>
+      <p:sp>
+        <p:nvSpPr>
+          <p:cNvPr id="13" name="Стрелка вниз 12"/>
+          <p:cNvSpPr/>
+          <p:nvPr/>
+        </p:nvSpPr>
+        <p:spPr>
+          <a:xfrm rot="18797149">
+            <a:off x="10037728" y="3846137"/>
+            <a:ext cx="430306" cy="658815"/>
+          </a:xfrm>
+          <a:prstGeom prst="downArrow">
+            <a:avLst/>
+          </a:prstGeom>
+        </p:spPr>
+        <p:style>
+          <a:lnRef idx="2">
+            <a:schemeClr val="accent1">
+              <a:shade val="50000"/>
+            </a:schemeClr>
+          </a:lnRef>
+          <a:fillRef idx="1">
+            <a:schemeClr val="accent1"/>
+          </a:fillRef>
+          <a:effectRef idx="0">
+            <a:schemeClr val="accent1"/>
+          </a:effectRef>
+          <a:fontRef idx="minor">
+            <a:schemeClr val="lt1"/>
+          </a:fontRef>
+        </p:style>
+        <p:txBody>
+          <a:bodyPr rtlCol="0" anchor="ctr"/>
+          <a:lstStyle/>
+          <a:p>
+            <a:pPr algn="ctr"/>
+            <a:endParaRPr lang="ru-RU"/>
+          </a:p>
+        </p:txBody>
+      </p:sp>
+      <p:sp>
+        <p:nvSpPr>
+          <p:cNvPr id="14" name="Заголовок 1"/>
+          <p:cNvSpPr txBox="1">
+            <a:spLocks/>
+          </p:cNvSpPr>
+          <p:nvPr/>
+        </p:nvSpPr>
+        <p:spPr>
+          <a:xfrm>
+            <a:off x="7352360" y="1360959"/>
+            <a:ext cx="4206240" cy="962332"/>
+          </a:xfrm>
+          <a:prstGeom prst="rect">
+            <a:avLst/>
+          </a:prstGeom>
+        </p:spPr>
+        <p:txBody>
+          <a:bodyPr vert="horz" lIns="91440" tIns="45720" rIns="91440" bIns="45720" rtlCol="0" anchor="t">
+            <a:normAutofit/>
+          </a:bodyPr>
+          <a:lstStyle>
+            <a:lvl1pPr algn="l" defTabSz="914400" rtl="0" eaLnBrk="1" latinLnBrk="0" hangingPunct="1">
+              <a:lnSpc>
+                <a:spcPct val="89000"/>
+              </a:lnSpc>
+              <a:spcBef>
+                <a:spcPct val="0"/>
+              </a:spcBef>
+              <a:buNone/>
+              <a:defRPr sz="4400" kern="1200" baseline="0">
+                <a:solidFill>
+                  <a:schemeClr val="tx2"/>
+                </a:solidFill>
+                <a:latin typeface="+mj-lt"/>
+                <a:ea typeface="+mj-ea"/>
+                <a:cs typeface="+mj-cs"/>
+              </a:defRPr>
+            </a:lvl1pPr>
+          </a:lstStyle>
+          <a:p>
+            <a:pPr algn="ctr"/>
+            <a:r>
+              <a:rPr lang="ru-RU" sz="3600" dirty="0" smtClean="0">
+                <a:latin typeface="Times New Roman" panose="02020603050405020304" pitchFamily="18" charset="0"/>
+                <a:cs typeface="Times New Roman" panose="02020603050405020304" pitchFamily="18" charset="0"/>
+              </a:rPr>
+              <a:t>Диаграмма классов</a:t>
+            </a:r>
+            <a:endParaRPr lang="ru-RU" sz="3600" dirty="0">
+              <a:latin typeface="Times New Roman" panose="02020603050405020304" pitchFamily="18" charset="0"/>
+              <a:cs typeface="Times New Roman" panose="02020603050405020304" pitchFamily="18" charset="0"/>
+            </a:endParaRPr>
+          </a:p>
+        </p:txBody>
+      </p:sp>
+      <p:sp>
+        <p:nvSpPr>
+          <p:cNvPr id="16" name="Стрелка вниз 15"/>
+          <p:cNvSpPr/>
+          <p:nvPr/>
+        </p:nvSpPr>
+        <p:spPr>
+          <a:xfrm rot="16200000">
+            <a:off x="10041424" y="3371147"/>
+            <a:ext cx="430306" cy="503167"/>
+          </a:xfrm>
+          <a:prstGeom prst="downArrow">
+            <a:avLst/>
+          </a:prstGeom>
+        </p:spPr>
+        <p:style>
+          <a:lnRef idx="2">
+            <a:schemeClr val="accent1">
+              <a:shade val="50000"/>
+            </a:schemeClr>
+          </a:lnRef>
+          <a:fillRef idx="1">
+            <a:schemeClr val="accent1"/>
+          </a:fillRef>
+          <a:effectRef idx="0">
+            <a:schemeClr val="accent1"/>
+          </a:effectRef>
+          <a:fontRef idx="minor">
+            <a:schemeClr val="lt1"/>
+          </a:fontRef>
+        </p:style>
+        <p:txBody>
+          <a:bodyPr rtlCol="0" anchor="ctr"/>
+          <a:lstStyle/>
+          <a:p>
+            <a:pPr algn="ctr"/>
+            <a:endParaRPr lang="ru-RU"/>
+          </a:p>
+        </p:txBody>
+      </p:sp>
+      <p:sp>
+        <p:nvSpPr>
+          <p:cNvPr id="17" name="Скругленный прямоугольник 16"/>
+          <p:cNvSpPr/>
+          <p:nvPr/>
+        </p:nvSpPr>
+        <p:spPr>
+          <a:xfrm>
+            <a:off x="6821005" y="2198471"/>
+            <a:ext cx="1517011" cy="671119"/>
+          </a:xfrm>
+          <a:prstGeom prst="roundRect">
+            <a:avLst/>
+          </a:prstGeom>
+        </p:spPr>
+        <p:style>
+          <a:lnRef idx="2">
+            <a:schemeClr val="accent1">
+              <a:shade val="50000"/>
+            </a:schemeClr>
+          </a:lnRef>
+          <a:fillRef idx="1">
+            <a:schemeClr val="accent1"/>
+          </a:fillRef>
+          <a:effectRef idx="0">
+            <a:schemeClr val="accent1"/>
+          </a:effectRef>
+          <a:fontRef idx="minor">
+            <a:schemeClr val="lt1"/>
+          </a:fontRef>
+        </p:style>
+        <p:txBody>
+          <a:bodyPr rtlCol="0" anchor="ctr"/>
+          <a:lstStyle/>
+          <a:p>
+            <a:pPr algn="ctr"/>
+            <a:r>
+              <a:rPr lang="en-US" dirty="0" smtClean="0"/>
+              <a:t>Fairy</a:t>
+            </a:r>
+            <a:endParaRPr lang="ru-RU" dirty="0"/>
+          </a:p>
+        </p:txBody>
+      </p:sp>
+      <p:sp>
+        <p:nvSpPr>
+          <p:cNvPr id="18" name="Скругленный прямоугольник 17"/>
+          <p:cNvSpPr/>
+          <p:nvPr/>
+        </p:nvSpPr>
+        <p:spPr>
+          <a:xfrm>
+            <a:off x="10192375" y="2195765"/>
+            <a:ext cx="1517011" cy="671119"/>
+          </a:xfrm>
+          <a:prstGeom prst="roundRect">
+            <a:avLst/>
+          </a:prstGeom>
+        </p:spPr>
+        <p:style>
+          <a:lnRef idx="2">
+            <a:schemeClr val="accent1">
+              <a:shade val="50000"/>
+            </a:schemeClr>
+          </a:lnRef>
+          <a:fillRef idx="1">
+            <a:schemeClr val="accent1"/>
+          </a:fillRef>
+          <a:effectRef idx="0">
+            <a:schemeClr val="accent1"/>
+          </a:effectRef>
+          <a:fontRef idx="minor">
+            <a:schemeClr val="lt1"/>
+          </a:fontRef>
+        </p:style>
+        <p:txBody>
+          <a:bodyPr rtlCol="0" anchor="ctr"/>
+          <a:lstStyle/>
+          <a:p>
+            <a:pPr algn="ctr"/>
+            <a:r>
+              <a:rPr lang="en-US" dirty="0" smtClean="0"/>
+              <a:t>Decor</a:t>
+            </a:r>
+            <a:endParaRPr lang="ru-RU" dirty="0"/>
           </a:p>
         </p:txBody>
       </p:sp>
@@ -4425,10 +5415,194 @@
       </p:transition>
     </mc:Fallback>
   </mc:AlternateContent>
+  <p:timing>
+    <p:tnLst>
+      <p:par>
+        <p:cTn id="1" dur="indefinite" restart="never" nodeType="tmRoot"/>
+      </p:par>
+    </p:tnLst>
+  </p:timing>
 </p:sld>
 </file>
 
 <file path=ppt/slides/slide6.xml><?xml version="1.0" encoding="utf-8"?>
+<p:sld xmlns:a="http://schemas.openxmlformats.org/drawingml/2006/main" xmlns:r="http://schemas.openxmlformats.org/officeDocument/2006/relationships" xmlns:p="http://schemas.openxmlformats.org/presentationml/2006/main">
+  <p:cSld>
+    <p:spTree>
+      <p:nvGrpSpPr>
+        <p:cNvPr id="1" name=""/>
+        <p:cNvGrpSpPr/>
+        <p:nvPr/>
+      </p:nvGrpSpPr>
+      <p:grpSpPr>
+        <a:xfrm>
+          <a:off x="0" y="0"/>
+          <a:ext cx="0" cy="0"/>
+          <a:chOff x="0" y="0"/>
+          <a:chExt cx="0" cy="0"/>
+        </a:xfrm>
+      </p:grpSpPr>
+      <p:sp>
+        <p:nvSpPr>
+          <p:cNvPr id="2" name="Заголовок 1"/>
+          <p:cNvSpPr>
+            <a:spLocks noGrp="1"/>
+          </p:cNvSpPr>
+          <p:nvPr>
+            <p:ph type="title"/>
+          </p:nvPr>
+        </p:nvSpPr>
+        <p:spPr>
+          <a:xfrm>
+            <a:off x="1067250" y="320040"/>
+            <a:ext cx="3703739" cy="1042332"/>
+          </a:xfrm>
+        </p:spPr>
+        <p:txBody>
+          <a:bodyPr>
+            <a:normAutofit/>
+          </a:bodyPr>
+          <a:lstStyle/>
+          <a:p>
+            <a:r>
+              <a:rPr lang="ru-RU" sz="4000" dirty="0" smtClean="0">
+                <a:latin typeface="Times New Roman" panose="02020603050405020304" pitchFamily="18" charset="0"/>
+                <a:cs typeface="Times New Roman" panose="02020603050405020304" pitchFamily="18" charset="0"/>
+              </a:rPr>
+              <a:t>Заключение</a:t>
+            </a:r>
+            <a:r>
+              <a:rPr lang="en-US" sz="4000" dirty="0" smtClean="0">
+                <a:latin typeface="Times New Roman" panose="02020603050405020304" pitchFamily="18" charset="0"/>
+                <a:cs typeface="Times New Roman" panose="02020603050405020304" pitchFamily="18" charset="0"/>
+              </a:rPr>
+              <a:t>:</a:t>
+            </a:r>
+            <a:endParaRPr lang="ru-RU" sz="4000" dirty="0">
+              <a:latin typeface="Times New Roman" panose="02020603050405020304" pitchFamily="18" charset="0"/>
+              <a:cs typeface="Times New Roman" panose="02020603050405020304" pitchFamily="18" charset="0"/>
+            </a:endParaRPr>
+          </a:p>
+        </p:txBody>
+      </p:sp>
+      <p:sp>
+        <p:nvSpPr>
+          <p:cNvPr id="3" name="TextBox 2"/>
+          <p:cNvSpPr txBox="1"/>
+          <p:nvPr/>
+        </p:nvSpPr>
+        <p:spPr>
+          <a:xfrm>
+            <a:off x="1067250" y="1065008"/>
+            <a:ext cx="10701616" cy="4524315"/>
+          </a:xfrm>
+          <a:prstGeom prst="rect">
+            <a:avLst/>
+          </a:prstGeom>
+          <a:noFill/>
+        </p:spPr>
+        <p:txBody>
+          <a:bodyPr wrap="square" rtlCol="0">
+            <a:spAutoFit/>
+          </a:bodyPr>
+          <a:lstStyle/>
+          <a:p>
+            <a:r>
+              <a:rPr lang="ru-RU" sz="2400" dirty="0" smtClean="0"/>
+              <a:t>Данный проект является </a:t>
+            </a:r>
+            <a:r>
+              <a:rPr lang="ru-RU" sz="2400" dirty="0" smtClean="0"/>
+              <a:t>первым совместным проектом </a:t>
+            </a:r>
+            <a:r>
+              <a:rPr lang="ru-RU" sz="2400" dirty="0" smtClean="0"/>
+              <a:t>в моем опыте программирования на </a:t>
+            </a:r>
+            <a:r>
+              <a:rPr lang="en-US" sz="2400" dirty="0" smtClean="0"/>
+              <a:t>Python</a:t>
+            </a:r>
+            <a:r>
+              <a:rPr lang="ru-RU" sz="2400" dirty="0" smtClean="0"/>
+              <a:t>. В ходе разработки проекта я использовала многие из техник, ранее изученных в Лицее Академии Яндекса, на практике глубже узнала возможности набора библиотек </a:t>
+            </a:r>
+            <a:r>
+              <a:rPr lang="en-US" sz="2400" dirty="0" err="1" smtClean="0"/>
+              <a:t>PyGame</a:t>
+            </a:r>
+            <a:r>
+              <a:rPr lang="ru-RU" sz="2400" dirty="0" smtClean="0"/>
+              <a:t>.</a:t>
+            </a:r>
+            <a:endParaRPr lang="ru-RU" sz="2400" dirty="0" smtClean="0"/>
+          </a:p>
+          <a:p>
+            <a:endParaRPr lang="ru-RU" sz="2400" dirty="0"/>
+          </a:p>
+          <a:p>
+            <a:r>
+              <a:rPr lang="ru-RU" sz="2400" dirty="0" smtClean="0"/>
+              <a:t>В то же время разработанная программа имеет практическое применение, обладает </a:t>
+            </a:r>
+            <a:r>
+              <a:rPr lang="ru-RU" sz="2400" dirty="0" smtClean="0"/>
+              <a:t>функциями полноценной игры</a:t>
+            </a:r>
+            <a:r>
+              <a:rPr lang="ru-RU" sz="2400" dirty="0" smtClean="0"/>
+              <a:t>.</a:t>
+            </a:r>
+            <a:endParaRPr lang="ru-RU" sz="2400" dirty="0" smtClean="0"/>
+          </a:p>
+          <a:p>
+            <a:endParaRPr lang="ru-RU" sz="2400" dirty="0"/>
+          </a:p>
+          <a:p>
+            <a:r>
+              <a:rPr lang="ru-RU" sz="2400" dirty="0" smtClean="0"/>
+              <a:t>Разработано функциональное ядро </a:t>
+            </a:r>
+            <a:r>
+              <a:rPr lang="ru-RU" sz="2400" dirty="0" smtClean="0"/>
+              <a:t>игры, </a:t>
+            </a:r>
+            <a:r>
+              <a:rPr lang="ru-RU" sz="2400" dirty="0" smtClean="0"/>
+              <a:t>заложены основные принципы работы. В дальнейшем </a:t>
+            </a:r>
+            <a:r>
+              <a:rPr lang="ru-RU" sz="2400" dirty="0" smtClean="0"/>
+              <a:t>возможны доработки, например, создание препятствий, расширение набора и активности монстров, введение звукового сопровождения действий.</a:t>
+            </a:r>
+            <a:endParaRPr lang="ru-RU" sz="2400" dirty="0"/>
+          </a:p>
+        </p:txBody>
+      </p:sp>
+    </p:spTree>
+    <p:extLst>
+      <p:ext uri="{BB962C8B-B14F-4D97-AF65-F5344CB8AC3E}">
+        <p14:creationId xmlns:p14="http://schemas.microsoft.com/office/powerpoint/2010/main" val="1439340883"/>
+      </p:ext>
+    </p:extLst>
+  </p:cSld>
+  <p:clrMapOvr>
+    <a:masterClrMapping/>
+  </p:clrMapOvr>
+  <p:transition spd="slow">
+    <p:randomBar dir="vert"/>
+  </p:transition>
+  <p:timing>
+    <p:tnLst>
+      <p:par>
+        <p:cTn id="1" dur="indefinite" restart="never" nodeType="tmRoot"/>
+      </p:par>
+    </p:tnLst>
+  </p:timing>
+</p:sld>
+</file>
+
+<file path=ppt/slides/slide7.xml><?xml version="1.0" encoding="utf-8"?>
 <p:sld xmlns:a="http://schemas.openxmlformats.org/drawingml/2006/main" xmlns:r="http://schemas.openxmlformats.org/officeDocument/2006/relationships" xmlns:p="http://schemas.openxmlformats.org/presentationml/2006/main">
   <p:cSld>
     <p:spTree>
@@ -4509,6 +5683,13 @@
       </p:transition>
     </mc:Fallback>
   </mc:AlternateContent>
+  <p:timing>
+    <p:tnLst>
+      <p:par>
+        <p:cTn id="1" dur="indefinite" restart="never" nodeType="tmRoot"/>
+      </p:par>
+    </p:tnLst>
+  </p:timing>
 </p:sld>
 </file>
 

--- a/__doc/Winx.pptx
+++ b/__doc/Winx.pptx
@@ -288,7 +288,7 @@
             <a:fld id="{87DE6118-2437-4B30-8E3C-4D2BE6020583}" type="datetimeFigureOut">
               <a:rPr lang="en-US" dirty="0"/>
               <a:pPr/>
-              <a:t>1/16/2022</a:t>
+              <a:t>1/17/2022</a:t>
             </a:fld>
             <a:endParaRPr lang="en-US" dirty="0"/>
           </a:p>
@@ -614,7 +614,7 @@
           <a:p>
             <a:fld id="{87DE6118-2437-4B30-8E3C-4D2BE6020583}" type="datetimeFigureOut">
               <a:rPr lang="en-US" dirty="0"/>
-              <a:t>1/16/2022</a:t>
+              <a:t>1/17/2022</a:t>
             </a:fld>
             <a:endParaRPr lang="en-US" dirty="0"/>
           </a:p>
@@ -789,7 +789,7 @@
           <a:p>
             <a:fld id="{87DE6118-2437-4B30-8E3C-4D2BE6020583}" type="datetimeFigureOut">
               <a:rPr lang="en-US" dirty="0"/>
-              <a:t>1/16/2022</a:t>
+              <a:t>1/17/2022</a:t>
             </a:fld>
             <a:endParaRPr lang="en-US" dirty="0"/>
           </a:p>
@@ -954,7 +954,7 @@
           <a:p>
             <a:fld id="{87DE6118-2437-4B30-8E3C-4D2BE6020583}" type="datetimeFigureOut">
               <a:rPr lang="en-US" dirty="0"/>
-              <a:t>1/16/2022</a:t>
+              <a:t>1/17/2022</a:t>
             </a:fld>
             <a:endParaRPr lang="en-US" dirty="0"/>
           </a:p>
@@ -1227,7 +1227,7 @@
             <a:fld id="{87DE6118-2437-4B30-8E3C-4D2BE6020583}" type="datetimeFigureOut">
               <a:rPr lang="en-US" dirty="0"/>
               <a:pPr/>
-              <a:t>1/16/2022</a:t>
+              <a:t>1/17/2022</a:t>
             </a:fld>
             <a:endParaRPr lang="en-US" dirty="0"/>
           </a:p>
@@ -1617,7 +1617,7 @@
           <a:p>
             <a:fld id="{87DE6118-2437-4B30-8E3C-4D2BE6020583}" type="datetimeFigureOut">
               <a:rPr lang="en-US" dirty="0"/>
-              <a:t>1/16/2022</a:t>
+              <a:t>1/17/2022</a:t>
             </a:fld>
             <a:endParaRPr lang="en-US" dirty="0"/>
           </a:p>
@@ -2089,7 +2089,7 @@
           <a:p>
             <a:fld id="{87DE6118-2437-4B30-8E3C-4D2BE6020583}" type="datetimeFigureOut">
               <a:rPr lang="en-US" dirty="0"/>
-              <a:t>1/16/2022</a:t>
+              <a:t>1/17/2022</a:t>
             </a:fld>
             <a:endParaRPr lang="en-US" dirty="0"/>
           </a:p>
@@ -2202,7 +2202,7 @@
           <a:p>
             <a:fld id="{87DE6118-2437-4B30-8E3C-4D2BE6020583}" type="datetimeFigureOut">
               <a:rPr lang="en-US" dirty="0"/>
-              <a:t>1/16/2022</a:t>
+              <a:t>1/17/2022</a:t>
             </a:fld>
             <a:endParaRPr lang="en-US" dirty="0"/>
           </a:p>
@@ -2292,7 +2292,7 @@
           <a:p>
             <a:fld id="{87DE6118-2437-4B30-8E3C-4D2BE6020583}" type="datetimeFigureOut">
               <a:rPr lang="en-US" dirty="0"/>
-              <a:t>1/16/2022</a:t>
+              <a:t>1/17/2022</a:t>
             </a:fld>
             <a:endParaRPr lang="en-US" dirty="0"/>
           </a:p>
@@ -2634,7 +2634,7 @@
             <a:fld id="{87DE6118-2437-4B30-8E3C-4D2BE6020583}" type="datetimeFigureOut">
               <a:rPr lang="en-US" dirty="0"/>
               <a:pPr/>
-              <a:t>1/16/2022</a:t>
+              <a:t>1/17/2022</a:t>
             </a:fld>
             <a:endParaRPr lang="en-US" dirty="0"/>
           </a:p>
@@ -3019,7 +3019,7 @@
             <a:fld id="{87DE6118-2437-4B30-8E3C-4D2BE6020583}" type="datetimeFigureOut">
               <a:rPr lang="en-US" dirty="0"/>
               <a:pPr/>
-              <a:t>1/16/2022</a:t>
+              <a:t>1/17/2022</a:t>
             </a:fld>
             <a:endParaRPr lang="en-US" dirty="0"/>
           </a:p>
@@ -3294,7 +3294,7 @@
             <a:fld id="{87DE6118-2437-4B30-8E3C-4D2BE6020583}" type="datetimeFigureOut">
               <a:rPr lang="en-US" dirty="0"/>
               <a:pPr/>
-              <a:t>1/16/2022</a:t>
+              <a:t>1/17/2022</a:t>
             </a:fld>
             <a:endParaRPr lang="en-US" dirty="0"/>
           </a:p>
@@ -4058,28 +4058,14 @@
                 <a:latin typeface="Times New Roman" panose="02020603050405020304" pitchFamily="18" charset="0"/>
                 <a:cs typeface="Times New Roman" panose="02020603050405020304" pitchFamily="18" charset="0"/>
               </a:rPr>
-              <a:t>И</a:t>
-            </a:r>
-            <a:r>
-              <a:rPr lang="ru-RU" sz="2400" dirty="0" smtClean="0">
-                <a:latin typeface="Times New Roman" panose="02020603050405020304" pitchFamily="18" charset="0"/>
-                <a:cs typeface="Times New Roman" panose="02020603050405020304" pitchFamily="18" charset="0"/>
-              </a:rPr>
-              <a:t>гра написана на </a:t>
+              <a:t>Игра написана на </a:t>
             </a:r>
             <a:r>
               <a:rPr lang="en-US" sz="2400" dirty="0" smtClean="0">
                 <a:latin typeface="Times New Roman" panose="02020603050405020304" pitchFamily="18" charset="0"/>
                 <a:cs typeface="Times New Roman" panose="02020603050405020304" pitchFamily="18" charset="0"/>
               </a:rPr>
-              <a:t>P</a:t>
-            </a:r>
-            <a:r>
-              <a:rPr lang="en-US" sz="2400" dirty="0" smtClean="0">
-                <a:latin typeface="Times New Roman" panose="02020603050405020304" pitchFamily="18" charset="0"/>
-                <a:cs typeface="Times New Roman" panose="02020603050405020304" pitchFamily="18" charset="0"/>
-              </a:rPr>
-              <a:t>ython</a:t>
+              <a:t>Python</a:t>
             </a:r>
             <a:r>
               <a:rPr lang="ru-RU" sz="2400" dirty="0" smtClean="0">
@@ -4275,28 +4261,14 @@
                 <a:latin typeface="Times New Roman" panose="02020603050405020304" pitchFamily="18" charset="0"/>
                 <a:cs typeface="Times New Roman" panose="02020603050405020304" pitchFamily="18" charset="0"/>
               </a:rPr>
-              <a:t>и убивать монстров. Задача </a:t>
-            </a:r>
-            <a:r>
-              <a:rPr lang="ru-RU" sz="2400" dirty="0">
-                <a:latin typeface="Times New Roman" panose="02020603050405020304" pitchFamily="18" charset="0"/>
-                <a:cs typeface="Times New Roman" panose="02020603050405020304" pitchFamily="18" charset="0"/>
-              </a:rPr>
-              <a:t>игрока </a:t>
+              <a:t>и убивать монстров. Задача игрока </a:t>
             </a:r>
             <a:r>
               <a:rPr lang="ru-RU" sz="2400" dirty="0" smtClean="0">
                 <a:latin typeface="Times New Roman" panose="02020603050405020304" pitchFamily="18" charset="0"/>
                 <a:cs typeface="Times New Roman" panose="02020603050405020304" pitchFamily="18" charset="0"/>
               </a:rPr>
-              <a:t>уничтожить или </a:t>
-            </a:r>
-            <a:r>
-              <a:rPr lang="ru-RU" sz="2400" dirty="0" smtClean="0">
-                <a:latin typeface="Times New Roman" panose="02020603050405020304" pitchFamily="18" charset="0"/>
-                <a:cs typeface="Times New Roman" panose="02020603050405020304" pitchFamily="18" charset="0"/>
-              </a:rPr>
-              <a:t>перепрыгнуть </a:t>
+              <a:t>уничтожить или перепрыгнуть </a:t>
             </a:r>
             <a:r>
               <a:rPr lang="ru-RU" sz="2400" dirty="0">
@@ -4310,34 +4282,20 @@
                 <a:latin typeface="Times New Roman" panose="02020603050405020304" pitchFamily="18" charset="0"/>
                 <a:cs typeface="Times New Roman" panose="02020603050405020304" pitchFamily="18" charset="0"/>
               </a:rPr>
-              <a:t>монстров</a:t>
-            </a:r>
+              <a:t>монстров.</a:t>
+            </a:r>
+            <a:endParaRPr lang="ru-RU" sz="2400" dirty="0">
+              <a:latin typeface="Times New Roman" panose="02020603050405020304" pitchFamily="18" charset="0"/>
+              <a:cs typeface="Times New Roman" panose="02020603050405020304" pitchFamily="18" charset="0"/>
+            </a:endParaRPr>
+          </a:p>
+          <a:p>
             <a:r>
               <a:rPr lang="ru-RU" sz="2400" dirty="0" smtClean="0">
                 <a:latin typeface="Times New Roman" panose="02020603050405020304" pitchFamily="18" charset="0"/>
                 <a:cs typeface="Times New Roman" panose="02020603050405020304" pitchFamily="18" charset="0"/>
               </a:rPr>
-              <a:t>.</a:t>
-            </a:r>
-            <a:endParaRPr lang="ru-RU" sz="2400" dirty="0">
-              <a:latin typeface="Times New Roman" panose="02020603050405020304" pitchFamily="18" charset="0"/>
-              <a:cs typeface="Times New Roman" panose="02020603050405020304" pitchFamily="18" charset="0"/>
-            </a:endParaRPr>
-          </a:p>
-          <a:p>
-            <a:r>
-              <a:rPr lang="ru-RU" sz="2400" dirty="0" smtClean="0">
-                <a:latin typeface="Times New Roman" panose="02020603050405020304" pitchFamily="18" charset="0"/>
-                <a:cs typeface="Times New Roman" panose="02020603050405020304" pitchFamily="18" charset="0"/>
-              </a:rPr>
-              <a:t>Е</a:t>
-            </a:r>
-            <a:r>
-              <a:rPr lang="ru-RU" sz="2400" dirty="0" smtClean="0">
-                <a:latin typeface="Times New Roman" panose="02020603050405020304" pitchFamily="18" charset="0"/>
-                <a:cs typeface="Times New Roman" panose="02020603050405020304" pitchFamily="18" charset="0"/>
-              </a:rPr>
-              <a:t>сли случайно задеть одного из их</a:t>
+              <a:t>Если случайно задеть одного из их</a:t>
             </a:r>
             <a:r>
               <a:rPr lang="ru-RU" sz="2400" dirty="0">
@@ -4376,10 +4334,6 @@
               </a:rPr>
               <a:t>музыка.</a:t>
             </a:r>
-            <a:endParaRPr lang="ru-RU" sz="2400" dirty="0">
-              <a:latin typeface="Times New Roman" panose="02020603050405020304" pitchFamily="18" charset="0"/>
-              <a:cs typeface="Times New Roman" panose="02020603050405020304" pitchFamily="18" charset="0"/>
-            </a:endParaRPr>
           </a:p>
         </p:txBody>
       </p:sp>
@@ -4562,14 +4516,7 @@
                 <a:latin typeface="Times New Roman" panose="02020603050405020304" pitchFamily="18" charset="0"/>
                 <a:cs typeface="Times New Roman" panose="02020603050405020304" pitchFamily="18" charset="0"/>
               </a:rPr>
-              <a:t>фею</a:t>
-            </a:r>
-            <a:r>
-              <a:rPr lang="ru-RU" sz="2400" dirty="0" smtClean="0">
-                <a:latin typeface="Times New Roman" panose="02020603050405020304" pitchFamily="18" charset="0"/>
-                <a:cs typeface="Times New Roman" panose="02020603050405020304" pitchFamily="18" charset="0"/>
-              </a:rPr>
-              <a:t>, нажав клавишу «А».</a:t>
+              <a:t>фею, нажав клавишу «А».</a:t>
             </a:r>
           </a:p>
           <a:p>
@@ -4793,17 +4740,12 @@
             </a:r>
             <a:r>
               <a:rPr lang="en-US" sz="2400" dirty="0" err="1" smtClean="0"/>
-              <a:t>Py</a:t>
-            </a:r>
-            <a:r>
-              <a:rPr lang="en-US" sz="2400" dirty="0" err="1" smtClean="0"/>
-              <a:t>Game</a:t>
+              <a:t>PyGame</a:t>
             </a:r>
             <a:r>
               <a:rPr lang="en-US" sz="2400" dirty="0" smtClean="0"/>
               <a:t>.</a:t>
             </a:r>
-            <a:endParaRPr lang="en-US" sz="2400" dirty="0" smtClean="0"/>
           </a:p>
           <a:p>
             <a:endParaRPr lang="en-US" sz="2400" dirty="0"/>
@@ -4811,15 +4753,7 @@
           <a:p>
             <a:r>
               <a:rPr lang="ru-RU" sz="2400" dirty="0" smtClean="0"/>
-              <a:t>Диаграмма классов приложения изображена на схеме. В реализации иерархии классов </a:t>
-            </a:r>
-            <a:r>
-              <a:rPr lang="ru-RU" sz="2400" dirty="0" smtClean="0"/>
-              <a:t>игровых объектов широко используются </a:t>
-            </a:r>
-            <a:r>
-              <a:rPr lang="ru-RU" sz="2400" dirty="0" smtClean="0"/>
-              <a:t>принципы наследования и полиморфизма объектно-ориентированного программирования.</a:t>
+              <a:t>Диаграмма классов приложения изображена на схеме. В реализации иерархии классов игровых объектов широко используются принципы наследования и полиморфизма объектно-ориентированного программирования.</a:t>
             </a:r>
             <a:endParaRPr lang="en-US" sz="2400" dirty="0"/>
           </a:p>
@@ -5509,15 +5443,15 @@
           <a:p>
             <a:r>
               <a:rPr lang="ru-RU" sz="2400" dirty="0" smtClean="0"/>
-              <a:t>Данный проект является </a:t>
+              <a:t>Данный проект является первым совместным проектом в </a:t>
             </a:r>
             <a:r>
               <a:rPr lang="ru-RU" sz="2400" dirty="0" smtClean="0"/>
-              <a:t>первым совместным проектом </a:t>
+              <a:t>нашем </a:t>
             </a:r>
             <a:r>
               <a:rPr lang="ru-RU" sz="2400" dirty="0" smtClean="0"/>
-              <a:t>в моем опыте программирования на </a:t>
+              <a:t>опыте программирования на </a:t>
             </a:r>
             <a:r>
               <a:rPr lang="en-US" sz="2400" dirty="0" smtClean="0"/>
@@ -5525,7 +5459,15 @@
             </a:r>
             <a:r>
               <a:rPr lang="ru-RU" sz="2400" dirty="0" smtClean="0"/>
-              <a:t>. В ходе разработки проекта я использовала многие из техник, ранее изученных в Лицее Академии Яндекса, на практике глубже узнала возможности набора библиотек </a:t>
+              <a:t>. В ходе разработки проекта </a:t>
+            </a:r>
+            <a:r>
+              <a:rPr lang="ru-RU" sz="2400" smtClean="0"/>
+              <a:t>мы использовали </a:t>
+            </a:r>
+            <a:r>
+              <a:rPr lang="ru-RU" sz="2400" dirty="0" smtClean="0"/>
+              <a:t>многие из техник, ранее изученных в Лицее Академии Яндекса, на практике глубже узнала возможности набора библиотек </a:t>
             </a:r>
             <a:r>
               <a:rPr lang="en-US" sz="2400" dirty="0" err="1" smtClean="0"/>
@@ -5535,7 +5477,6 @@
               <a:rPr lang="ru-RU" sz="2400" dirty="0" smtClean="0"/>
               <a:t>.</a:t>
             </a:r>
-            <a:endParaRPr lang="ru-RU" sz="2400" dirty="0" smtClean="0"/>
           </a:p>
           <a:p>
             <a:endParaRPr lang="ru-RU" sz="2400" dirty="0"/>
@@ -5543,37 +5484,16 @@
           <a:p>
             <a:r>
               <a:rPr lang="ru-RU" sz="2400" dirty="0" smtClean="0"/>
-              <a:t>В то же время разработанная программа имеет практическое применение, обладает </a:t>
-            </a:r>
+              <a:t>В то же время разработанная программа имеет практическое применение, обладает функциями полноценной игры.</a:t>
+            </a:r>
+          </a:p>
+          <a:p>
+            <a:endParaRPr lang="ru-RU" sz="2400" dirty="0"/>
+          </a:p>
+          <a:p>
             <a:r>
               <a:rPr lang="ru-RU" sz="2400" dirty="0" smtClean="0"/>
-              <a:t>функциями полноценной игры</a:t>
-            </a:r>
-            <a:r>
-              <a:rPr lang="ru-RU" sz="2400" dirty="0" smtClean="0"/>
-              <a:t>.</a:t>
-            </a:r>
-            <a:endParaRPr lang="ru-RU" sz="2400" dirty="0" smtClean="0"/>
-          </a:p>
-          <a:p>
-            <a:endParaRPr lang="ru-RU" sz="2400" dirty="0"/>
-          </a:p>
-          <a:p>
-            <a:r>
-              <a:rPr lang="ru-RU" sz="2400" dirty="0" smtClean="0"/>
-              <a:t>Разработано функциональное ядро </a:t>
-            </a:r>
-            <a:r>
-              <a:rPr lang="ru-RU" sz="2400" dirty="0" smtClean="0"/>
-              <a:t>игры, </a:t>
-            </a:r>
-            <a:r>
-              <a:rPr lang="ru-RU" sz="2400" dirty="0" smtClean="0"/>
-              <a:t>заложены основные принципы работы. В дальнейшем </a:t>
-            </a:r>
-            <a:r>
-              <a:rPr lang="ru-RU" sz="2400" dirty="0" smtClean="0"/>
-              <a:t>возможны доработки, например, создание препятствий, расширение набора и активности монстров, введение звукового сопровождения действий.</a:t>
+              <a:t>Разработано функциональное ядро игры, заложены основные принципы работы. В дальнейшем возможны доработки, например, создание препятствий, расширение набора и активности монстров, введение звукового сопровождения действий.</a:t>
             </a:r>
             <a:endParaRPr lang="ru-RU" sz="2400" dirty="0"/>
           </a:p>
